--- a/1day.pptx
+++ b/1day.pptx
@@ -633,7 +633,7 @@
           <a:p>
             <a:fld id="{2EB244DE-80A5-9B42-9989-E089B68B8A6A}" type="datetimeFigureOut">
               <a:rPr kumimoji="1" lang="ja-JP" altLang="en-US" smtClean="0"/>
-              <a:t>2016/7/25</a:t>
+              <a:t>2016/7/26</a:t>
             </a:fld>
             <a:endParaRPr kumimoji="1" lang="ja-JP" altLang="en-US"/>
           </a:p>
@@ -929,7 +929,7 @@
           <a:p>
             <a:fld id="{2EB244DE-80A5-9B42-9989-E089B68B8A6A}" type="datetimeFigureOut">
               <a:rPr kumimoji="1" lang="ja-JP" altLang="en-US" smtClean="0"/>
-              <a:t>2016/7/25</a:t>
+              <a:t>2016/7/26</a:t>
             </a:fld>
             <a:endParaRPr kumimoji="1" lang="ja-JP" altLang="en-US"/>
           </a:p>
@@ -1177,7 +1177,7 @@
           <a:p>
             <a:fld id="{2EB244DE-80A5-9B42-9989-E089B68B8A6A}" type="datetimeFigureOut">
               <a:rPr kumimoji="1" lang="ja-JP" altLang="en-US" smtClean="0"/>
-              <a:t>2016/7/25</a:t>
+              <a:t>2016/7/26</a:t>
             </a:fld>
             <a:endParaRPr kumimoji="1" lang="ja-JP" altLang="en-US"/>
           </a:p>
@@ -1717,7 +1717,7 @@
           <a:p>
             <a:fld id="{2EB244DE-80A5-9B42-9989-E089B68B8A6A}" type="datetimeFigureOut">
               <a:rPr kumimoji="1" lang="ja-JP" altLang="en-US" smtClean="0"/>
-              <a:t>2016/7/25</a:t>
+              <a:t>2016/7/26</a:t>
             </a:fld>
             <a:endParaRPr kumimoji="1" lang="ja-JP" altLang="en-US"/>
           </a:p>
@@ -1965,7 +1965,7 @@
           <a:p>
             <a:fld id="{2EB244DE-80A5-9B42-9989-E089B68B8A6A}" type="datetimeFigureOut">
               <a:rPr kumimoji="1" lang="ja-JP" altLang="en-US" smtClean="0"/>
-              <a:t>2016/7/25</a:t>
+              <a:t>2016/7/26</a:t>
             </a:fld>
             <a:endParaRPr kumimoji="1" lang="ja-JP" altLang="en-US"/>
           </a:p>
@@ -2497,7 +2497,7 @@
           <a:p>
             <a:fld id="{2EB244DE-80A5-9B42-9989-E089B68B8A6A}" type="datetimeFigureOut">
               <a:rPr kumimoji="1" lang="ja-JP" altLang="en-US" smtClean="0"/>
-              <a:t>2016/7/25</a:t>
+              <a:t>2016/7/26</a:t>
             </a:fld>
             <a:endParaRPr kumimoji="1" lang="ja-JP" altLang="en-US"/>
           </a:p>
@@ -2794,7 +2794,7 @@
           <a:p>
             <a:fld id="{2EB244DE-80A5-9B42-9989-E089B68B8A6A}" type="datetimeFigureOut">
               <a:rPr kumimoji="1" lang="ja-JP" altLang="en-US" smtClean="0"/>
-              <a:t>2016/7/25</a:t>
+              <a:t>2016/7/26</a:t>
             </a:fld>
             <a:endParaRPr kumimoji="1" lang="ja-JP" altLang="en-US"/>
           </a:p>
@@ -3000,7 +3000,7 @@
           <a:p>
             <a:fld id="{2EB244DE-80A5-9B42-9989-E089B68B8A6A}" type="datetimeFigureOut">
               <a:rPr kumimoji="1" lang="ja-JP" altLang="en-US" smtClean="0"/>
-              <a:t>2016/7/25</a:t>
+              <a:t>2016/7/26</a:t>
             </a:fld>
             <a:endParaRPr kumimoji="1" lang="ja-JP" altLang="en-US"/>
           </a:p>
@@ -3212,7 +3212,7 @@
           <a:p>
             <a:fld id="{2EB244DE-80A5-9B42-9989-E089B68B8A6A}" type="datetimeFigureOut">
               <a:rPr kumimoji="1" lang="ja-JP" altLang="en-US" smtClean="0"/>
-              <a:t>2016/7/25</a:t>
+              <a:t>2016/7/26</a:t>
             </a:fld>
             <a:endParaRPr kumimoji="1" lang="ja-JP" altLang="en-US"/>
           </a:p>
@@ -3414,7 +3414,7 @@
           <a:p>
             <a:fld id="{2EB244DE-80A5-9B42-9989-E089B68B8A6A}" type="datetimeFigureOut">
               <a:rPr kumimoji="1" lang="ja-JP" altLang="en-US" smtClean="0"/>
-              <a:t>2016/7/25</a:t>
+              <a:t>2016/7/26</a:t>
             </a:fld>
             <a:endParaRPr kumimoji="1" lang="ja-JP" altLang="en-US"/>
           </a:p>
@@ -3665,7 +3665,7 @@
           <a:p>
             <a:fld id="{2EB244DE-80A5-9B42-9989-E089B68B8A6A}" type="datetimeFigureOut">
               <a:rPr kumimoji="1" lang="ja-JP" altLang="en-US" smtClean="0"/>
-              <a:t>2016/7/25</a:t>
+              <a:t>2016/7/26</a:t>
             </a:fld>
             <a:endParaRPr kumimoji="1" lang="ja-JP" altLang="en-US"/>
           </a:p>
@@ -4026,7 +4026,7 @@
           <a:p>
             <a:fld id="{2EB244DE-80A5-9B42-9989-E089B68B8A6A}" type="datetimeFigureOut">
               <a:rPr kumimoji="1" lang="ja-JP" altLang="en-US" smtClean="0"/>
-              <a:t>2016/7/25</a:t>
+              <a:t>2016/7/26</a:t>
             </a:fld>
             <a:endParaRPr kumimoji="1" lang="ja-JP" altLang="en-US"/>
           </a:p>
@@ -4537,7 +4537,7 @@
           <a:p>
             <a:fld id="{2EB244DE-80A5-9B42-9989-E089B68B8A6A}" type="datetimeFigureOut">
               <a:rPr kumimoji="1" lang="ja-JP" altLang="en-US" smtClean="0"/>
-              <a:t>2016/7/25</a:t>
+              <a:t>2016/7/26</a:t>
             </a:fld>
             <a:endParaRPr kumimoji="1" lang="ja-JP" altLang="en-US"/>
           </a:p>
@@ -4660,7 +4660,7 @@
           <a:p>
             <a:fld id="{2EB244DE-80A5-9B42-9989-E089B68B8A6A}" type="datetimeFigureOut">
               <a:rPr kumimoji="1" lang="ja-JP" altLang="en-US" smtClean="0"/>
-              <a:t>2016/7/25</a:t>
+              <a:t>2016/7/26</a:t>
             </a:fld>
             <a:endParaRPr kumimoji="1" lang="ja-JP" altLang="en-US"/>
           </a:p>
@@ -4755,7 +4755,7 @@
           <a:p>
             <a:fld id="{2EB244DE-80A5-9B42-9989-E089B68B8A6A}" type="datetimeFigureOut">
               <a:rPr kumimoji="1" lang="ja-JP" altLang="en-US" smtClean="0"/>
-              <a:t>2016/7/25</a:t>
+              <a:t>2016/7/26</a:t>
             </a:fld>
             <a:endParaRPr kumimoji="1" lang="ja-JP" altLang="en-US"/>
           </a:p>
@@ -5070,7 +5070,7 @@
           <a:p>
             <a:fld id="{2EB244DE-80A5-9B42-9989-E089B68B8A6A}" type="datetimeFigureOut">
               <a:rPr kumimoji="1" lang="ja-JP" altLang="en-US" smtClean="0"/>
-              <a:t>2016/7/25</a:t>
+              <a:t>2016/7/26</a:t>
             </a:fld>
             <a:endParaRPr kumimoji="1" lang="ja-JP" altLang="en-US"/>
           </a:p>
@@ -5366,7 +5366,7 @@
           <a:p>
             <a:fld id="{2EB244DE-80A5-9B42-9989-E089B68B8A6A}" type="datetimeFigureOut">
               <a:rPr kumimoji="1" lang="ja-JP" altLang="en-US" smtClean="0"/>
-              <a:t>2016/7/25</a:t>
+              <a:t>2016/7/26</a:t>
             </a:fld>
             <a:endParaRPr kumimoji="1" lang="ja-JP" altLang="en-US"/>
           </a:p>
@@ -5933,7 +5933,7 @@
           <a:p>
             <a:fld id="{2EB244DE-80A5-9B42-9989-E089B68B8A6A}" type="datetimeFigureOut">
               <a:rPr kumimoji="1" lang="ja-JP" altLang="en-US" smtClean="0"/>
-              <a:t>2016/7/25</a:t>
+              <a:t>2016/7/26</a:t>
             </a:fld>
             <a:endParaRPr kumimoji="1" lang="ja-JP" altLang="en-US"/>
           </a:p>
@@ -6634,12 +6634,14 @@
         </p:nvSpPr>
         <p:spPr>
           <a:xfrm>
-            <a:off x="1484313" y="1616076"/>
-            <a:ext cx="10018712" cy="983192"/>
+            <a:off x="1484311" y="1362857"/>
+            <a:ext cx="10018712" cy="1436613"/>
           </a:xfrm>
         </p:spPr>
         <p:txBody>
-          <a:bodyPr anchor="t"/>
+          <a:bodyPr anchor="t">
+            <a:normAutofit fontScale="92500"/>
+          </a:bodyPr>
           <a:lstStyle/>
           <a:p>
             <a:pPr marL="0" marR="0" lvl="0" indent="0" algn="ctr" defTabSz="914400" eaLnBrk="1" fontAlgn="auto" latinLnBrk="0" hangingPunct="1">
@@ -6665,7 +6667,7 @@
                 <a:ea typeface="Hiragino Kaku Gothic Pro W3" charset="-128"/>
                 <a:cs typeface="Hiragino Kaku Gothic Pro W3" charset="-128"/>
               </a:rPr>
-              <a:t>赤い車で四角形、青い車で三角形を描こう</a:t>
+              <a:t>赤い車で四角形、</a:t>
             </a:r>
             <a:endParaRPr lang="en-US" altLang="ja-JP" dirty="0" smtClean="0">
               <a:latin typeface="Hiragino Kaku Gothic Pro W3" charset="-128"/>
@@ -6673,8 +6675,70 @@
               <a:cs typeface="Hiragino Kaku Gothic Pro W3" charset="-128"/>
             </a:endParaRPr>
           </a:p>
-        </p:txBody>
-      </p:sp>
+          <a:p>
+            <a:pPr marL="0" marR="0" lvl="0" indent="0" algn="ctr" defTabSz="914400" eaLnBrk="1" fontAlgn="auto" latinLnBrk="0" hangingPunct="1">
+              <a:lnSpc>
+                <a:spcPct val="200000"/>
+              </a:lnSpc>
+              <a:spcBef>
+                <a:spcPts val="0"/>
+              </a:spcBef>
+              <a:spcAft>
+                <a:spcPts val="0"/>
+              </a:spcAft>
+              <a:buClrTx/>
+              <a:buSzTx/>
+              <a:buFontTx/>
+              <a:buNone/>
+              <a:tabLst/>
+              <a:defRPr/>
+            </a:pPr>
+            <a:r>
+              <a:rPr lang="ja-JP" altLang="en-US" dirty="0" smtClean="0">
+                <a:latin typeface="Hiragino Kaku Gothic Pro W3" charset="-128"/>
+                <a:ea typeface="Hiragino Kaku Gothic Pro W3" charset="-128"/>
+                <a:cs typeface="Hiragino Kaku Gothic Pro W3" charset="-128"/>
+              </a:rPr>
+              <a:t>青い車で三角形を描こう</a:t>
+            </a:r>
+            <a:endParaRPr lang="en-US" altLang="ja-JP" dirty="0" smtClean="0">
+              <a:latin typeface="Hiragino Kaku Gothic Pro W3" charset="-128"/>
+              <a:ea typeface="Hiragino Kaku Gothic Pro W3" charset="-128"/>
+              <a:cs typeface="Hiragino Kaku Gothic Pro W3" charset="-128"/>
+            </a:endParaRPr>
+          </a:p>
+        </p:txBody>
+      </p:sp>
+      <p:pic>
+        <p:nvPicPr>
+          <p:cNvPr id="3" name="図 2"/>
+          <p:cNvPicPr>
+            <a:picLocks noChangeAspect="1"/>
+          </p:cNvPicPr>
+          <p:nvPr/>
+        </p:nvPicPr>
+        <p:blipFill>
+          <a:blip r:embed="rId2">
+            <a:extLst>
+              <a:ext uri="{28A0092B-C50C-407E-A947-70E740481C1C}">
+                <a14:useLocalDpi xmlns:a14="http://schemas.microsoft.com/office/drawing/2010/main" val="0"/>
+              </a:ext>
+            </a:extLst>
+          </a:blip>
+          <a:stretch>
+            <a:fillRect/>
+          </a:stretch>
+        </p:blipFill>
+        <p:spPr>
+          <a:xfrm>
+            <a:off x="8395322" y="0"/>
+            <a:ext cx="3796678" cy="6858000"/>
+          </a:xfrm>
+          <a:prstGeom prst="rect">
+            <a:avLst/>
+          </a:prstGeom>
+        </p:spPr>
+      </p:pic>
     </p:spTree>
     <p:extLst>
       <p:ext uri="{BB962C8B-B14F-4D97-AF65-F5344CB8AC3E}">
@@ -6809,6 +6873,36 @@
           </a:p>
         </p:txBody>
       </p:sp>
+      <p:pic>
+        <p:nvPicPr>
+          <p:cNvPr id="3" name="図 2"/>
+          <p:cNvPicPr>
+            <a:picLocks noChangeAspect="1"/>
+          </p:cNvPicPr>
+          <p:nvPr/>
+        </p:nvPicPr>
+        <p:blipFill>
+          <a:blip r:embed="rId2">
+            <a:extLst>
+              <a:ext uri="{28A0092B-C50C-407E-A947-70E740481C1C}">
+                <a14:useLocalDpi xmlns:a14="http://schemas.microsoft.com/office/drawing/2010/main" val="0"/>
+              </a:ext>
+            </a:extLst>
+          </a:blip>
+          <a:stretch>
+            <a:fillRect/>
+          </a:stretch>
+        </p:blipFill>
+        <p:spPr>
+          <a:xfrm>
+            <a:off x="8452380" y="0"/>
+            <a:ext cx="3739620" cy="6858000"/>
+          </a:xfrm>
+          <a:prstGeom prst="rect">
+            <a:avLst/>
+          </a:prstGeom>
+        </p:spPr>
+      </p:pic>
     </p:spTree>
     <p:extLst>
       <p:ext uri="{BB962C8B-B14F-4D97-AF65-F5344CB8AC3E}">
@@ -6902,12 +6996,14 @@
         </p:nvSpPr>
         <p:spPr>
           <a:xfrm>
-            <a:off x="1484313" y="1616076"/>
-            <a:ext cx="10018712" cy="932392"/>
+            <a:off x="1034147" y="1707247"/>
+            <a:ext cx="10018712" cy="1858644"/>
           </a:xfrm>
         </p:spPr>
         <p:txBody>
-          <a:bodyPr anchor="t"/>
+          <a:bodyPr anchor="t">
+            <a:normAutofit/>
+          </a:bodyPr>
           <a:lstStyle/>
           <a:p>
             <a:pPr marL="0" marR="0" lvl="0" indent="0" algn="ctr" defTabSz="914400" eaLnBrk="1" fontAlgn="auto" latinLnBrk="0" hangingPunct="1">
@@ -6933,23 +7029,7 @@
                 <a:ea typeface="Hiragino Kaku Gothic Pro W3" charset="-128"/>
                 <a:cs typeface="Hiragino Kaku Gothic Pro W3" charset="-128"/>
               </a:rPr>
-              <a:t>横並びに三角形、四角形、五角形を</a:t>
-            </a:r>
-            <a:r>
-              <a:rPr lang="en-US" altLang="ja-JP" dirty="0" smtClean="0">
-                <a:latin typeface="Hiragino Kaku Gothic Pro W3" charset="-128"/>
-                <a:ea typeface="Hiragino Kaku Gothic Pro W3" charset="-128"/>
-                <a:cs typeface="Hiragino Kaku Gothic Pro W3" charset="-128"/>
-              </a:rPr>
-              <a:t>1</a:t>
-            </a:r>
-            <a:r>
-              <a:rPr lang="ja-JP" altLang="en-US" dirty="0" smtClean="0">
-                <a:latin typeface="Hiragino Kaku Gothic Pro W3" charset="-128"/>
-                <a:ea typeface="Hiragino Kaku Gothic Pro W3" charset="-128"/>
-                <a:cs typeface="Hiragino Kaku Gothic Pro W3" charset="-128"/>
-              </a:rPr>
-              <a:t>台の車で描いてみよう</a:t>
+              <a:t>横並びに三角形、四角形、</a:t>
             </a:r>
             <a:endParaRPr lang="en-US" altLang="ja-JP" dirty="0" smtClean="0">
               <a:latin typeface="Hiragino Kaku Gothic Pro W3" charset="-128"/>
@@ -6957,8 +7037,86 @@
               <a:cs typeface="Hiragino Kaku Gothic Pro W3" charset="-128"/>
             </a:endParaRPr>
           </a:p>
-        </p:txBody>
-      </p:sp>
+          <a:p>
+            <a:pPr marL="0" marR="0" lvl="0" indent="0" algn="ctr" defTabSz="914400" eaLnBrk="1" fontAlgn="auto" latinLnBrk="0" hangingPunct="1">
+              <a:lnSpc>
+                <a:spcPct val="200000"/>
+              </a:lnSpc>
+              <a:spcBef>
+                <a:spcPts val="0"/>
+              </a:spcBef>
+              <a:spcAft>
+                <a:spcPts val="0"/>
+              </a:spcAft>
+              <a:buClrTx/>
+              <a:buSzTx/>
+              <a:buFontTx/>
+              <a:buNone/>
+              <a:tabLst/>
+              <a:defRPr/>
+            </a:pPr>
+            <a:r>
+              <a:rPr lang="ja-JP" altLang="en-US" dirty="0" smtClean="0">
+                <a:latin typeface="Hiragino Kaku Gothic Pro W3" charset="-128"/>
+                <a:ea typeface="Hiragino Kaku Gothic Pro W3" charset="-128"/>
+                <a:cs typeface="Hiragino Kaku Gothic Pro W3" charset="-128"/>
+              </a:rPr>
+              <a:t>五角形を</a:t>
+            </a:r>
+            <a:r>
+              <a:rPr lang="en-US" altLang="ja-JP" dirty="0" smtClean="0">
+                <a:latin typeface="Hiragino Kaku Gothic Pro W3" charset="-128"/>
+                <a:ea typeface="Hiragino Kaku Gothic Pro W3" charset="-128"/>
+                <a:cs typeface="Hiragino Kaku Gothic Pro W3" charset="-128"/>
+              </a:rPr>
+              <a:t>1</a:t>
+            </a:r>
+            <a:r>
+              <a:rPr lang="ja-JP" altLang="en-US" dirty="0" smtClean="0">
+                <a:latin typeface="Hiragino Kaku Gothic Pro W3" charset="-128"/>
+                <a:ea typeface="Hiragino Kaku Gothic Pro W3" charset="-128"/>
+                <a:cs typeface="Hiragino Kaku Gothic Pro W3" charset="-128"/>
+              </a:rPr>
+              <a:t>台の車で描いてみよう</a:t>
+            </a:r>
+            <a:endParaRPr lang="en-US" altLang="ja-JP" dirty="0" smtClean="0">
+              <a:latin typeface="Hiragino Kaku Gothic Pro W3" charset="-128"/>
+              <a:ea typeface="Hiragino Kaku Gothic Pro W3" charset="-128"/>
+              <a:cs typeface="Hiragino Kaku Gothic Pro W3" charset="-128"/>
+            </a:endParaRPr>
+          </a:p>
+        </p:txBody>
+      </p:sp>
+      <p:pic>
+        <p:nvPicPr>
+          <p:cNvPr id="3" name="図 2"/>
+          <p:cNvPicPr>
+            <a:picLocks noChangeAspect="1"/>
+          </p:cNvPicPr>
+          <p:nvPr/>
+        </p:nvPicPr>
+        <p:blipFill>
+          <a:blip r:embed="rId2">
+            <a:extLst>
+              <a:ext uri="{28A0092B-C50C-407E-A947-70E740481C1C}">
+                <a14:useLocalDpi xmlns:a14="http://schemas.microsoft.com/office/drawing/2010/main" val="0"/>
+              </a:ext>
+            </a:extLst>
+          </a:blip>
+          <a:stretch>
+            <a:fillRect/>
+          </a:stretch>
+        </p:blipFill>
+        <p:spPr>
+          <a:xfrm>
+            <a:off x="8498393" y="0"/>
+            <a:ext cx="3697463" cy="6858000"/>
+          </a:xfrm>
+          <a:prstGeom prst="rect">
+            <a:avLst/>
+          </a:prstGeom>
+        </p:spPr>
+      </p:pic>
     </p:spTree>
     <p:extLst>
       <p:ext uri="{BB962C8B-B14F-4D97-AF65-F5344CB8AC3E}">
@@ -7093,6 +7251,36 @@
           </a:p>
         </p:txBody>
       </p:sp>
+      <p:pic>
+        <p:nvPicPr>
+          <p:cNvPr id="3" name="図 2"/>
+          <p:cNvPicPr>
+            <a:picLocks noChangeAspect="1"/>
+          </p:cNvPicPr>
+          <p:nvPr/>
+        </p:nvPicPr>
+        <p:blipFill>
+          <a:blip r:embed="rId2">
+            <a:extLst>
+              <a:ext uri="{28A0092B-C50C-407E-A947-70E740481C1C}">
+                <a14:useLocalDpi xmlns:a14="http://schemas.microsoft.com/office/drawing/2010/main" val="0"/>
+              </a:ext>
+            </a:extLst>
+          </a:blip>
+          <a:stretch>
+            <a:fillRect/>
+          </a:stretch>
+        </p:blipFill>
+        <p:spPr>
+          <a:xfrm>
+            <a:off x="8464561" y="0"/>
+            <a:ext cx="3727439" cy="6858000"/>
+          </a:xfrm>
+          <a:prstGeom prst="rect">
+            <a:avLst/>
+          </a:prstGeom>
+        </p:spPr>
+      </p:pic>
     </p:spTree>
     <p:extLst>
       <p:ext uri="{BB962C8B-B14F-4D97-AF65-F5344CB8AC3E}">
@@ -8978,7 +9166,7 @@
         </p:nvSpPr>
         <p:spPr>
           <a:xfrm>
-            <a:off x="1484310" y="1615859"/>
+            <a:off x="5212248" y="1475182"/>
             <a:ext cx="10018713" cy="4175342"/>
           </a:xfrm>
         </p:spPr>
@@ -8986,7 +9174,92 @@
           <a:bodyPr/>
           <a:lstStyle/>
           <a:p>
-            <a:endParaRPr kumimoji="1" lang="ja-JP" altLang="en-US" dirty="0">
+            <a:pPr>
+              <a:lnSpc>
+                <a:spcPct val="200000"/>
+              </a:lnSpc>
+            </a:pPr>
+            <a:r>
+              <a:rPr kumimoji="1" lang="ja-JP" altLang="en-US" dirty="0" smtClean="0">
+                <a:latin typeface="Hiragino Kaku Gothic Pro W3" charset="-128"/>
+                <a:ea typeface="Hiragino Kaku Gothic Pro W3" charset="-128"/>
+                <a:cs typeface="Hiragino Kaku Gothic Pro W3" charset="-128"/>
+              </a:rPr>
+              <a:t>名前　　桃井</a:t>
+            </a:r>
+            <a:r>
+              <a:rPr kumimoji="1" lang="en-US" altLang="ja-JP" dirty="0" smtClean="0">
+                <a:latin typeface="Hiragino Kaku Gothic Pro W3" charset="-128"/>
+                <a:ea typeface="Hiragino Kaku Gothic Pro W3" charset="-128"/>
+                <a:cs typeface="Hiragino Kaku Gothic Pro W3" charset="-128"/>
+              </a:rPr>
+              <a:t> </a:t>
+            </a:r>
+            <a:r>
+              <a:rPr kumimoji="1" lang="ja-JP" altLang="en-US" dirty="0" smtClean="0">
+                <a:latin typeface="Hiragino Kaku Gothic Pro W3" charset="-128"/>
+                <a:ea typeface="Hiragino Kaku Gothic Pro W3" charset="-128"/>
+                <a:cs typeface="Hiragino Kaku Gothic Pro W3" charset="-128"/>
+              </a:rPr>
+              <a:t>裕二</a:t>
+            </a:r>
+            <a:endParaRPr kumimoji="1" lang="en-US" altLang="ja-JP" dirty="0" smtClean="0">
+              <a:latin typeface="Hiragino Kaku Gothic Pro W3" charset="-128"/>
+              <a:ea typeface="Hiragino Kaku Gothic Pro W3" charset="-128"/>
+              <a:cs typeface="Hiragino Kaku Gothic Pro W3" charset="-128"/>
+            </a:endParaRPr>
+          </a:p>
+          <a:p>
+            <a:pPr>
+              <a:lnSpc>
+                <a:spcPct val="200000"/>
+              </a:lnSpc>
+            </a:pPr>
+            <a:r>
+              <a:rPr kumimoji="1" lang="ja-JP" altLang="en-US" dirty="0" smtClean="0">
+                <a:latin typeface="Hiragino Kaku Gothic Pro W3" charset="-128"/>
+                <a:ea typeface="Hiragino Kaku Gothic Pro W3" charset="-128"/>
+                <a:cs typeface="Hiragino Kaku Gothic Pro W3" charset="-128"/>
+              </a:rPr>
+              <a:t>出身地　群馬県</a:t>
+            </a:r>
+            <a:endParaRPr kumimoji="1" lang="en-US" altLang="ja-JP" dirty="0" smtClean="0">
+              <a:latin typeface="Hiragino Kaku Gothic Pro W3" charset="-128"/>
+              <a:ea typeface="Hiragino Kaku Gothic Pro W3" charset="-128"/>
+              <a:cs typeface="Hiragino Kaku Gothic Pro W3" charset="-128"/>
+            </a:endParaRPr>
+          </a:p>
+          <a:p>
+            <a:pPr>
+              <a:lnSpc>
+                <a:spcPct val="200000"/>
+              </a:lnSpc>
+            </a:pPr>
+            <a:r>
+              <a:rPr kumimoji="1" lang="ja-JP" altLang="en-US" dirty="0" smtClean="0">
+                <a:latin typeface="Hiragino Kaku Gothic Pro W3" charset="-128"/>
+                <a:ea typeface="Hiragino Kaku Gothic Pro W3" charset="-128"/>
+                <a:cs typeface="Hiragino Kaku Gothic Pro W3" charset="-128"/>
+              </a:rPr>
+              <a:t>出身校　</a:t>
+            </a:r>
+            <a:r>
+              <a:rPr kumimoji="1" lang="en-US" altLang="ja-JP" dirty="0" smtClean="0">
+                <a:latin typeface="Hiragino Kaku Gothic Pro W3" charset="-128"/>
+                <a:ea typeface="Hiragino Kaku Gothic Pro W3" charset="-128"/>
+                <a:cs typeface="Hiragino Kaku Gothic Pro W3" charset="-128"/>
+              </a:rPr>
+              <a:t>HAL</a:t>
+            </a:r>
+            <a:r>
+              <a:rPr kumimoji="1" lang="ja-JP" altLang="en-US" dirty="0" smtClean="0">
+                <a:latin typeface="Hiragino Kaku Gothic Pro W3" charset="-128"/>
+                <a:ea typeface="Hiragino Kaku Gothic Pro W3" charset="-128"/>
+                <a:cs typeface="Hiragino Kaku Gothic Pro W3" charset="-128"/>
+              </a:rPr>
+              <a:t>東京ゲーム制作学科</a:t>
+            </a:r>
+            <a:endParaRPr kumimoji="1" lang="en-US" altLang="ja-JP" dirty="0" smtClean="0">
               <a:latin typeface="Hiragino Kaku Gothic Pro W3" charset="-128"/>
               <a:ea typeface="Hiragino Kaku Gothic Pro W3" charset="-128"/>
               <a:cs typeface="Hiragino Kaku Gothic Pro W3" charset="-128"/>
@@ -10211,6 +10484,36 @@
           </a:p>
         </p:txBody>
       </p:sp>
+      <p:pic>
+        <p:nvPicPr>
+          <p:cNvPr id="3" name="図 2"/>
+          <p:cNvPicPr>
+            <a:picLocks noChangeAspect="1"/>
+          </p:cNvPicPr>
+          <p:nvPr/>
+        </p:nvPicPr>
+        <p:blipFill>
+          <a:blip r:embed="rId2">
+            <a:extLst>
+              <a:ext uri="{28A0092B-C50C-407E-A947-70E740481C1C}">
+                <a14:useLocalDpi xmlns:a14="http://schemas.microsoft.com/office/drawing/2010/main" val="0"/>
+              </a:ext>
+            </a:extLst>
+          </a:blip>
+          <a:stretch>
+            <a:fillRect/>
+          </a:stretch>
+        </p:blipFill>
+        <p:spPr>
+          <a:xfrm>
+            <a:off x="8395322" y="0"/>
+            <a:ext cx="3796678" cy="6858000"/>
+          </a:xfrm>
+          <a:prstGeom prst="rect">
+            <a:avLst/>
+          </a:prstGeom>
+        </p:spPr>
+      </p:pic>
     </p:spTree>
     <p:extLst>
       <p:ext uri="{BB962C8B-B14F-4D97-AF65-F5344CB8AC3E}">
@@ -10353,6 +10656,36 @@
           </a:p>
         </p:txBody>
       </p:sp>
+      <p:pic>
+        <p:nvPicPr>
+          <p:cNvPr id="3" name="図 2"/>
+          <p:cNvPicPr>
+            <a:picLocks noChangeAspect="1"/>
+          </p:cNvPicPr>
+          <p:nvPr/>
+        </p:nvPicPr>
+        <p:blipFill>
+          <a:blip r:embed="rId2">
+            <a:extLst>
+              <a:ext uri="{28A0092B-C50C-407E-A947-70E740481C1C}">
+                <a14:useLocalDpi xmlns:a14="http://schemas.microsoft.com/office/drawing/2010/main" val="0"/>
+              </a:ext>
+            </a:extLst>
+          </a:blip>
+          <a:stretch>
+            <a:fillRect/>
+          </a:stretch>
+        </p:blipFill>
+        <p:spPr>
+          <a:xfrm>
+            <a:off x="8395322" y="0"/>
+            <a:ext cx="3796678" cy="6858000"/>
+          </a:xfrm>
+          <a:prstGeom prst="rect">
+            <a:avLst/>
+          </a:prstGeom>
+        </p:spPr>
+      </p:pic>
     </p:spTree>
     <p:extLst>
       <p:ext uri="{BB962C8B-B14F-4D97-AF65-F5344CB8AC3E}">

--- a/1day.pptx
+++ b/1day.pptx
@@ -633,7 +633,7 @@
           <a:p>
             <a:fld id="{2EB244DE-80A5-9B42-9989-E089B68B8A6A}" type="datetimeFigureOut">
               <a:rPr kumimoji="1" lang="ja-JP" altLang="en-US" smtClean="0"/>
-              <a:t>2016/7/26</a:t>
+              <a:t>2016/7/29</a:t>
             </a:fld>
             <a:endParaRPr kumimoji="1" lang="ja-JP" altLang="en-US"/>
           </a:p>
@@ -929,7 +929,7 @@
           <a:p>
             <a:fld id="{2EB244DE-80A5-9B42-9989-E089B68B8A6A}" type="datetimeFigureOut">
               <a:rPr kumimoji="1" lang="ja-JP" altLang="en-US" smtClean="0"/>
-              <a:t>2016/7/26</a:t>
+              <a:t>2016/7/29</a:t>
             </a:fld>
             <a:endParaRPr kumimoji="1" lang="ja-JP" altLang="en-US"/>
           </a:p>
@@ -1177,7 +1177,7 @@
           <a:p>
             <a:fld id="{2EB244DE-80A5-9B42-9989-E089B68B8A6A}" type="datetimeFigureOut">
               <a:rPr kumimoji="1" lang="ja-JP" altLang="en-US" smtClean="0"/>
-              <a:t>2016/7/26</a:t>
+              <a:t>2016/7/29</a:t>
             </a:fld>
             <a:endParaRPr kumimoji="1" lang="ja-JP" altLang="en-US"/>
           </a:p>
@@ -1717,7 +1717,7 @@
           <a:p>
             <a:fld id="{2EB244DE-80A5-9B42-9989-E089B68B8A6A}" type="datetimeFigureOut">
               <a:rPr kumimoji="1" lang="ja-JP" altLang="en-US" smtClean="0"/>
-              <a:t>2016/7/26</a:t>
+              <a:t>2016/7/29</a:t>
             </a:fld>
             <a:endParaRPr kumimoji="1" lang="ja-JP" altLang="en-US"/>
           </a:p>
@@ -1965,7 +1965,7 @@
           <a:p>
             <a:fld id="{2EB244DE-80A5-9B42-9989-E089B68B8A6A}" type="datetimeFigureOut">
               <a:rPr kumimoji="1" lang="ja-JP" altLang="en-US" smtClean="0"/>
-              <a:t>2016/7/26</a:t>
+              <a:t>2016/7/29</a:t>
             </a:fld>
             <a:endParaRPr kumimoji="1" lang="ja-JP" altLang="en-US"/>
           </a:p>
@@ -2497,7 +2497,7 @@
           <a:p>
             <a:fld id="{2EB244DE-80A5-9B42-9989-E089B68B8A6A}" type="datetimeFigureOut">
               <a:rPr kumimoji="1" lang="ja-JP" altLang="en-US" smtClean="0"/>
-              <a:t>2016/7/26</a:t>
+              <a:t>2016/7/29</a:t>
             </a:fld>
             <a:endParaRPr kumimoji="1" lang="ja-JP" altLang="en-US"/>
           </a:p>
@@ -2794,7 +2794,7 @@
           <a:p>
             <a:fld id="{2EB244DE-80A5-9B42-9989-E089B68B8A6A}" type="datetimeFigureOut">
               <a:rPr kumimoji="1" lang="ja-JP" altLang="en-US" smtClean="0"/>
-              <a:t>2016/7/26</a:t>
+              <a:t>2016/7/29</a:t>
             </a:fld>
             <a:endParaRPr kumimoji="1" lang="ja-JP" altLang="en-US"/>
           </a:p>
@@ -3000,7 +3000,7 @@
           <a:p>
             <a:fld id="{2EB244DE-80A5-9B42-9989-E089B68B8A6A}" type="datetimeFigureOut">
               <a:rPr kumimoji="1" lang="ja-JP" altLang="en-US" smtClean="0"/>
-              <a:t>2016/7/26</a:t>
+              <a:t>2016/7/29</a:t>
             </a:fld>
             <a:endParaRPr kumimoji="1" lang="ja-JP" altLang="en-US"/>
           </a:p>
@@ -3212,7 +3212,7 @@
           <a:p>
             <a:fld id="{2EB244DE-80A5-9B42-9989-E089B68B8A6A}" type="datetimeFigureOut">
               <a:rPr kumimoji="1" lang="ja-JP" altLang="en-US" smtClean="0"/>
-              <a:t>2016/7/26</a:t>
+              <a:t>2016/7/29</a:t>
             </a:fld>
             <a:endParaRPr kumimoji="1" lang="ja-JP" altLang="en-US"/>
           </a:p>
@@ -3414,7 +3414,7 @@
           <a:p>
             <a:fld id="{2EB244DE-80A5-9B42-9989-E089B68B8A6A}" type="datetimeFigureOut">
               <a:rPr kumimoji="1" lang="ja-JP" altLang="en-US" smtClean="0"/>
-              <a:t>2016/7/26</a:t>
+              <a:t>2016/7/29</a:t>
             </a:fld>
             <a:endParaRPr kumimoji="1" lang="ja-JP" altLang="en-US"/>
           </a:p>
@@ -3665,7 +3665,7 @@
           <a:p>
             <a:fld id="{2EB244DE-80A5-9B42-9989-E089B68B8A6A}" type="datetimeFigureOut">
               <a:rPr kumimoji="1" lang="ja-JP" altLang="en-US" smtClean="0"/>
-              <a:t>2016/7/26</a:t>
+              <a:t>2016/7/29</a:t>
             </a:fld>
             <a:endParaRPr kumimoji="1" lang="ja-JP" altLang="en-US"/>
           </a:p>
@@ -4026,7 +4026,7 @@
           <a:p>
             <a:fld id="{2EB244DE-80A5-9B42-9989-E089B68B8A6A}" type="datetimeFigureOut">
               <a:rPr kumimoji="1" lang="ja-JP" altLang="en-US" smtClean="0"/>
-              <a:t>2016/7/26</a:t>
+              <a:t>2016/7/29</a:t>
             </a:fld>
             <a:endParaRPr kumimoji="1" lang="ja-JP" altLang="en-US"/>
           </a:p>
@@ -4537,7 +4537,7 @@
           <a:p>
             <a:fld id="{2EB244DE-80A5-9B42-9989-E089B68B8A6A}" type="datetimeFigureOut">
               <a:rPr kumimoji="1" lang="ja-JP" altLang="en-US" smtClean="0"/>
-              <a:t>2016/7/26</a:t>
+              <a:t>2016/7/29</a:t>
             </a:fld>
             <a:endParaRPr kumimoji="1" lang="ja-JP" altLang="en-US"/>
           </a:p>
@@ -4660,7 +4660,7 @@
           <a:p>
             <a:fld id="{2EB244DE-80A5-9B42-9989-E089B68B8A6A}" type="datetimeFigureOut">
               <a:rPr kumimoji="1" lang="ja-JP" altLang="en-US" smtClean="0"/>
-              <a:t>2016/7/26</a:t>
+              <a:t>2016/7/29</a:t>
             </a:fld>
             <a:endParaRPr kumimoji="1" lang="ja-JP" altLang="en-US"/>
           </a:p>
@@ -4755,7 +4755,7 @@
           <a:p>
             <a:fld id="{2EB244DE-80A5-9B42-9989-E089B68B8A6A}" type="datetimeFigureOut">
               <a:rPr kumimoji="1" lang="ja-JP" altLang="en-US" smtClean="0"/>
-              <a:t>2016/7/26</a:t>
+              <a:t>2016/7/29</a:t>
             </a:fld>
             <a:endParaRPr kumimoji="1" lang="ja-JP" altLang="en-US"/>
           </a:p>
@@ -5070,7 +5070,7 @@
           <a:p>
             <a:fld id="{2EB244DE-80A5-9B42-9989-E089B68B8A6A}" type="datetimeFigureOut">
               <a:rPr kumimoji="1" lang="ja-JP" altLang="en-US" smtClean="0"/>
-              <a:t>2016/7/26</a:t>
+              <a:t>2016/7/29</a:t>
             </a:fld>
             <a:endParaRPr kumimoji="1" lang="ja-JP" altLang="en-US"/>
           </a:p>
@@ -5366,7 +5366,7 @@
           <a:p>
             <a:fld id="{2EB244DE-80A5-9B42-9989-E089B68B8A6A}" type="datetimeFigureOut">
               <a:rPr kumimoji="1" lang="ja-JP" altLang="en-US" smtClean="0"/>
-              <a:t>2016/7/26</a:t>
+              <a:t>2016/7/29</a:t>
             </a:fld>
             <a:endParaRPr kumimoji="1" lang="ja-JP" altLang="en-US"/>
           </a:p>
@@ -5933,7 +5933,7 @@
           <a:p>
             <a:fld id="{2EB244DE-80A5-9B42-9989-E089B68B8A6A}" type="datetimeFigureOut">
               <a:rPr kumimoji="1" lang="ja-JP" altLang="en-US" smtClean="0"/>
-              <a:t>2016/7/26</a:t>
+              <a:t>2016/7/29</a:t>
             </a:fld>
             <a:endParaRPr kumimoji="1" lang="ja-JP" altLang="en-US"/>
           </a:p>
@@ -6598,6 +6598,7 @@
           <a:bodyPr/>
           <a:lstStyle/>
           <a:p>
+            <a:pPr algn="l"/>
             <a:r>
               <a:rPr lang="ja-JP" altLang="en-US" b="1" dirty="0" smtClean="0">
                 <a:latin typeface="Hiragino Kaku Gothic Pro W6" charset="-128"/>
@@ -6612,7 +6613,23 @@
                 <a:ea typeface="Hiragino Kaku Gothic Pro W6" charset="-128"/>
                 <a:cs typeface="Hiragino Kaku Gothic Pro W6" charset="-128"/>
               </a:rPr>
-              <a:t>3</a:t>
+              <a:t>3(10</a:t>
+            </a:r>
+            <a:r>
+              <a:rPr lang="ja-JP" altLang="en-US" b="1" dirty="0" smtClean="0">
+                <a:latin typeface="Hiragino Kaku Gothic Pro W6" charset="-128"/>
+                <a:ea typeface="Hiragino Kaku Gothic Pro W6" charset="-128"/>
+                <a:cs typeface="Hiragino Kaku Gothic Pro W6" charset="-128"/>
+              </a:rPr>
+              <a:t>分</a:t>
+            </a:r>
+            <a:r>
+              <a:rPr lang="en-US" altLang="ja-JP" b="1" dirty="0" smtClean="0">
+                <a:latin typeface="Hiragino Kaku Gothic Pro W6" charset="-128"/>
+                <a:ea typeface="Hiragino Kaku Gothic Pro W6" charset="-128"/>
+                <a:cs typeface="Hiragino Kaku Gothic Pro W6" charset="-128"/>
+              </a:rPr>
+              <a:t>)</a:t>
             </a:r>
             <a:endParaRPr kumimoji="1" lang="ja-JP" altLang="en-US" b="1" dirty="0">
               <a:latin typeface="Hiragino Kaku Gothic Pro W6" charset="-128"/>
@@ -6634,7 +6651,7 @@
         </p:nvSpPr>
         <p:spPr>
           <a:xfrm>
-            <a:off x="1484311" y="1362857"/>
+            <a:off x="1484310" y="2565356"/>
             <a:ext cx="10018712" cy="1436613"/>
           </a:xfrm>
         </p:spPr>
@@ -6644,7 +6661,7 @@
           </a:bodyPr>
           <a:lstStyle/>
           <a:p>
-            <a:pPr marL="0" marR="0" lvl="0" indent="0" algn="ctr" defTabSz="914400" eaLnBrk="1" fontAlgn="auto" latinLnBrk="0" hangingPunct="1">
+            <a:pPr marL="0" marR="0" lvl="0" indent="0" defTabSz="914400" eaLnBrk="1" fontAlgn="auto" latinLnBrk="0" hangingPunct="1">
               <a:lnSpc>
                 <a:spcPct val="200000"/>
               </a:lnSpc>
@@ -6676,7 +6693,7 @@
             </a:endParaRPr>
           </a:p>
           <a:p>
-            <a:pPr marL="0" marR="0" lvl="0" indent="0" algn="ctr" defTabSz="914400" eaLnBrk="1" fontAlgn="auto" latinLnBrk="0" hangingPunct="1">
+            <a:pPr marL="0" marR="0" lvl="0" indent="0" defTabSz="914400" eaLnBrk="1" fontAlgn="auto" latinLnBrk="0" hangingPunct="1">
               <a:lnSpc>
                 <a:spcPct val="200000"/>
               </a:lnSpc>
@@ -6731,7 +6748,7 @@
         </p:blipFill>
         <p:spPr>
           <a:xfrm>
-            <a:off x="8395322" y="0"/>
+            <a:off x="7105141" y="0"/>
             <a:ext cx="3796678" cy="6858000"/>
           </a:xfrm>
           <a:prstGeom prst="rect">
@@ -6796,6 +6813,7 @@
           <a:bodyPr/>
           <a:lstStyle/>
           <a:p>
+            <a:pPr algn="l"/>
             <a:r>
               <a:rPr lang="ja-JP" altLang="en-US" b="1" dirty="0" smtClean="0">
                 <a:latin typeface="Hiragino Kaku Gothic Pro W6" charset="-128"/>
@@ -6805,12 +6823,28 @@
               <a:t>問題</a:t>
             </a:r>
             <a:r>
-              <a:rPr lang="en-US" altLang="ja-JP" b="1" dirty="0">
+              <a:rPr lang="en-US" altLang="ja-JP" b="1" dirty="0" smtClean="0">
                 <a:latin typeface="Hiragino Kaku Gothic Pro W6" charset="-128"/>
                 <a:ea typeface="Hiragino Kaku Gothic Pro W6" charset="-128"/>
                 <a:cs typeface="Hiragino Kaku Gothic Pro W6" charset="-128"/>
               </a:rPr>
-              <a:t>1</a:t>
+              <a:t>1(15</a:t>
+            </a:r>
+            <a:r>
+              <a:rPr lang="ja-JP" altLang="en-US" b="1" dirty="0" smtClean="0">
+                <a:latin typeface="Hiragino Kaku Gothic Pro W6" charset="-128"/>
+                <a:ea typeface="Hiragino Kaku Gothic Pro W6" charset="-128"/>
+                <a:cs typeface="Hiragino Kaku Gothic Pro W6" charset="-128"/>
+              </a:rPr>
+              <a:t>分</a:t>
+            </a:r>
+            <a:r>
+              <a:rPr lang="en-US" altLang="ja-JP" b="1" dirty="0" smtClean="0">
+                <a:latin typeface="Hiragino Kaku Gothic Pro W6" charset="-128"/>
+                <a:ea typeface="Hiragino Kaku Gothic Pro W6" charset="-128"/>
+                <a:cs typeface="Hiragino Kaku Gothic Pro W6" charset="-128"/>
+              </a:rPr>
+              <a:t>)</a:t>
             </a:r>
             <a:endParaRPr kumimoji="1" lang="ja-JP" altLang="en-US" b="1" dirty="0">
               <a:latin typeface="Hiragino Kaku Gothic Pro W6" charset="-128"/>
@@ -6832,7 +6866,7 @@
         </p:nvSpPr>
         <p:spPr>
           <a:xfrm>
-            <a:off x="1484313" y="1616076"/>
+            <a:off x="1484310" y="2894012"/>
             <a:ext cx="10018712" cy="940858"/>
           </a:xfrm>
         </p:spPr>
@@ -6840,7 +6874,7 @@
           <a:bodyPr anchor="t"/>
           <a:lstStyle/>
           <a:p>
-            <a:pPr marL="0" marR="0" lvl="0" indent="0" algn="ctr" defTabSz="914400" eaLnBrk="1" fontAlgn="auto" latinLnBrk="0" hangingPunct="1">
+            <a:pPr marL="0" marR="0" lvl="0" indent="0" defTabSz="914400" eaLnBrk="1" fontAlgn="auto" latinLnBrk="0" hangingPunct="1">
               <a:lnSpc>
                 <a:spcPct val="200000"/>
               </a:lnSpc>
@@ -6895,7 +6929,7 @@
         </p:blipFill>
         <p:spPr>
           <a:xfrm>
-            <a:off x="8452380" y="0"/>
+            <a:off x="7099569" y="0"/>
             <a:ext cx="3739620" cy="6858000"/>
           </a:xfrm>
           <a:prstGeom prst="rect">
@@ -6960,6 +6994,7 @@
           <a:bodyPr/>
           <a:lstStyle/>
           <a:p>
+            <a:pPr algn="l"/>
             <a:r>
               <a:rPr lang="ja-JP" altLang="en-US" b="1" dirty="0" smtClean="0">
                 <a:latin typeface="Hiragino Kaku Gothic Pro W6" charset="-128"/>
@@ -6969,12 +7004,28 @@
               <a:t>問題</a:t>
             </a:r>
             <a:r>
-              <a:rPr lang="en-US" altLang="ja-JP" b="1" dirty="0">
+              <a:rPr lang="en-US" altLang="ja-JP" b="1" dirty="0" smtClean="0">
                 <a:latin typeface="Hiragino Kaku Gothic Pro W6" charset="-128"/>
                 <a:ea typeface="Hiragino Kaku Gothic Pro W6" charset="-128"/>
                 <a:cs typeface="Hiragino Kaku Gothic Pro W6" charset="-128"/>
               </a:rPr>
-              <a:t>2</a:t>
+              <a:t>2(20</a:t>
+            </a:r>
+            <a:r>
+              <a:rPr lang="ja-JP" altLang="en-US" b="1" dirty="0" smtClean="0">
+                <a:latin typeface="Hiragino Kaku Gothic Pro W6" charset="-128"/>
+                <a:ea typeface="Hiragino Kaku Gothic Pro W6" charset="-128"/>
+                <a:cs typeface="Hiragino Kaku Gothic Pro W6" charset="-128"/>
+              </a:rPr>
+              <a:t>分</a:t>
+            </a:r>
+            <a:r>
+              <a:rPr lang="en-US" altLang="ja-JP" b="1" dirty="0" smtClean="0">
+                <a:latin typeface="Hiragino Kaku Gothic Pro W6" charset="-128"/>
+                <a:ea typeface="Hiragino Kaku Gothic Pro W6" charset="-128"/>
+                <a:cs typeface="Hiragino Kaku Gothic Pro W6" charset="-128"/>
+              </a:rPr>
+              <a:t>)</a:t>
             </a:r>
             <a:endParaRPr kumimoji="1" lang="ja-JP" altLang="en-US" b="1" dirty="0">
               <a:latin typeface="Hiragino Kaku Gothic Pro W6" charset="-128"/>
@@ -6996,7 +7047,7 @@
         </p:nvSpPr>
         <p:spPr>
           <a:xfrm>
-            <a:off x="1034147" y="1707247"/>
+            <a:off x="1009095" y="2596595"/>
             <a:ext cx="10018712" cy="1858644"/>
           </a:xfrm>
         </p:spPr>
@@ -7006,7 +7057,7 @@
           </a:bodyPr>
           <a:lstStyle/>
           <a:p>
-            <a:pPr marL="0" marR="0" lvl="0" indent="0" algn="ctr" defTabSz="914400" eaLnBrk="1" fontAlgn="auto" latinLnBrk="0" hangingPunct="1">
+            <a:pPr marL="0" marR="0" lvl="0" indent="0" defTabSz="914400" eaLnBrk="1" fontAlgn="auto" latinLnBrk="0" hangingPunct="1">
               <a:lnSpc>
                 <a:spcPct val="200000"/>
               </a:lnSpc>
@@ -7038,7 +7089,7 @@
             </a:endParaRPr>
           </a:p>
           <a:p>
-            <a:pPr marL="0" marR="0" lvl="0" indent="0" algn="ctr" defTabSz="914400" eaLnBrk="1" fontAlgn="auto" latinLnBrk="0" hangingPunct="1">
+            <a:pPr marL="0" marR="0" lvl="0" indent="0" defTabSz="914400" eaLnBrk="1" fontAlgn="auto" latinLnBrk="0" hangingPunct="1">
               <a:lnSpc>
                 <a:spcPct val="200000"/>
               </a:lnSpc>
@@ -7109,7 +7160,7 @@
         </p:blipFill>
         <p:spPr>
           <a:xfrm>
-            <a:off x="8498393" y="0"/>
+            <a:off x="7208212" y="0"/>
             <a:ext cx="3697463" cy="6858000"/>
           </a:xfrm>
           <a:prstGeom prst="rect">
@@ -7174,6 +7225,7 @@
           <a:bodyPr/>
           <a:lstStyle/>
           <a:p>
+            <a:pPr algn="l"/>
             <a:r>
               <a:rPr lang="ja-JP" altLang="en-US" b="1" dirty="0" smtClean="0">
                 <a:latin typeface="Hiragino Kaku Gothic Pro W6" charset="-128"/>
@@ -7188,7 +7240,23 @@
                 <a:ea typeface="Hiragino Kaku Gothic Pro W6" charset="-128"/>
                 <a:cs typeface="Hiragino Kaku Gothic Pro W6" charset="-128"/>
               </a:rPr>
-              <a:t>3</a:t>
+              <a:t>3(20</a:t>
+            </a:r>
+            <a:r>
+              <a:rPr lang="ja-JP" altLang="en-US" b="1" dirty="0" smtClean="0">
+                <a:latin typeface="Hiragino Kaku Gothic Pro W6" charset="-128"/>
+                <a:ea typeface="Hiragino Kaku Gothic Pro W6" charset="-128"/>
+                <a:cs typeface="Hiragino Kaku Gothic Pro W6" charset="-128"/>
+              </a:rPr>
+              <a:t>分</a:t>
+            </a:r>
+            <a:r>
+              <a:rPr lang="en-US" altLang="ja-JP" b="1" dirty="0" smtClean="0">
+                <a:latin typeface="Hiragino Kaku Gothic Pro W6" charset="-128"/>
+                <a:ea typeface="Hiragino Kaku Gothic Pro W6" charset="-128"/>
+                <a:cs typeface="Hiragino Kaku Gothic Pro W6" charset="-128"/>
+              </a:rPr>
+              <a:t>)</a:t>
             </a:r>
             <a:endParaRPr kumimoji="1" lang="ja-JP" altLang="en-US" b="1" dirty="0">
               <a:latin typeface="Hiragino Kaku Gothic Pro W6" charset="-128"/>
@@ -7210,7 +7278,7 @@
         </p:nvSpPr>
         <p:spPr>
           <a:xfrm>
-            <a:off x="1484313" y="1616076"/>
+            <a:off x="1484310" y="2392689"/>
             <a:ext cx="10018712" cy="932392"/>
           </a:xfrm>
         </p:spPr>
@@ -7218,7 +7286,7 @@
           <a:bodyPr anchor="t"/>
           <a:lstStyle/>
           <a:p>
-            <a:pPr marL="0" marR="0" lvl="0" indent="0" algn="ctr" defTabSz="914400" eaLnBrk="1" fontAlgn="auto" latinLnBrk="0" hangingPunct="1">
+            <a:pPr marL="0" marR="0" lvl="0" indent="0" defTabSz="914400" eaLnBrk="1" fontAlgn="auto" latinLnBrk="0" hangingPunct="1">
               <a:lnSpc>
                 <a:spcPct val="200000"/>
               </a:lnSpc>
@@ -7273,7 +7341,7 @@
         </p:blipFill>
         <p:spPr>
           <a:xfrm>
-            <a:off x="8464561" y="0"/>
+            <a:off x="7262063" y="0"/>
             <a:ext cx="3727439" cy="6858000"/>
           </a:xfrm>
           <a:prstGeom prst="rect">
@@ -7564,7 +7632,35 @@
                 <a:ea typeface="Hiragino Kaku Gothic Pro W3" charset="-128"/>
                 <a:cs typeface="Hiragino Kaku Gothic Pro W3" charset="-128"/>
               </a:rPr>
-              <a:t>ドローンの細かい制御はライブラリがやってくれている。</a:t>
+              <a:t>ドローンの細かい制御はライブラリがやってくれている</a:t>
+            </a:r>
+            <a:r>
+              <a:rPr lang="ja-JP" altLang="en-US" dirty="0" smtClean="0">
+                <a:latin typeface="Hiragino Kaku Gothic Pro W3" charset="-128"/>
+                <a:ea typeface="Hiragino Kaku Gothic Pro W3" charset="-128"/>
+                <a:cs typeface="Hiragino Kaku Gothic Pro W3" charset="-128"/>
+              </a:rPr>
+              <a:t>。</a:t>
+            </a:r>
+            <a:endParaRPr lang="en-US" altLang="ja-JP" dirty="0" smtClean="0">
+              <a:latin typeface="Hiragino Kaku Gothic Pro W3" charset="-128"/>
+              <a:ea typeface="Hiragino Kaku Gothic Pro W3" charset="-128"/>
+              <a:cs typeface="Hiragino Kaku Gothic Pro W3" charset="-128"/>
+            </a:endParaRPr>
+          </a:p>
+          <a:p>
+            <a:pPr algn="just">
+              <a:lnSpc>
+                <a:spcPct val="150000"/>
+              </a:lnSpc>
+            </a:pPr>
+            <a:r>
+              <a:rPr lang="ja-JP" altLang="en-US" dirty="0" smtClean="0">
+                <a:latin typeface="Hiragino Kaku Gothic Pro W3" charset="-128"/>
+                <a:ea typeface="Hiragino Kaku Gothic Pro W3" charset="-128"/>
+                <a:cs typeface="Hiragino Kaku Gothic Pro W3" charset="-128"/>
+              </a:rPr>
+              <a:t>先ほどのお絵かきアプリと同様にドローン制御のオブジェクトに命令を送るとその通りの動きをする</a:t>
             </a:r>
             <a:endParaRPr lang="en-US" altLang="ja-JP" dirty="0">
               <a:latin typeface="Hiragino Kaku Gothic Pro W3" charset="-128"/>
@@ -9640,6 +9736,36 @@
           </a:p>
         </p:txBody>
       </p:sp>
+      <p:pic>
+        <p:nvPicPr>
+          <p:cNvPr id="4" name="図 3"/>
+          <p:cNvPicPr>
+            <a:picLocks noChangeAspect="1"/>
+          </p:cNvPicPr>
+          <p:nvPr/>
+        </p:nvPicPr>
+        <p:blipFill>
+          <a:blip r:embed="rId2">
+            <a:extLst>
+              <a:ext uri="{28A0092B-C50C-407E-A947-70E740481C1C}">
+                <a14:useLocalDpi xmlns:a14="http://schemas.microsoft.com/office/drawing/2010/main" val="0"/>
+              </a:ext>
+            </a:extLst>
+          </a:blip>
+          <a:stretch>
+            <a:fillRect/>
+          </a:stretch>
+        </p:blipFill>
+        <p:spPr>
+          <a:xfrm>
+            <a:off x="2550960" y="1994944"/>
+            <a:ext cx="1841500" cy="2717800"/>
+          </a:xfrm>
+          <a:prstGeom prst="rect">
+            <a:avLst/>
+          </a:prstGeom>
+        </p:spPr>
+      </p:pic>
     </p:spTree>
     <p:extLst>
       <p:ext uri="{BB962C8B-B14F-4D97-AF65-F5344CB8AC3E}">
@@ -9698,12 +9824,12 @@
           <a:lstStyle/>
           <a:p>
             <a:r>
-              <a:rPr lang="ja-JP" altLang="en-US" b="1" dirty="0" smtClean="0">
+              <a:rPr kumimoji="1" lang="ja-JP" altLang="en-US" b="1" dirty="0" smtClean="0">
                 <a:latin typeface="Hiragino Kaku Gothic Pro W6" charset="-128"/>
                 <a:ea typeface="Hiragino Kaku Gothic Pro W6" charset="-128"/>
                 <a:cs typeface="Hiragino Kaku Gothic Pro W6" charset="-128"/>
               </a:rPr>
-              <a:t>今日やること</a:t>
+              <a:t>プログラミング体験スケジュール</a:t>
             </a:r>
             <a:endParaRPr kumimoji="1" lang="ja-JP" altLang="en-US" b="1" dirty="0">
               <a:latin typeface="Hiragino Kaku Gothic Pro W6" charset="-128"/>
@@ -9812,7 +9938,15 @@
                 <a:ea typeface="Hiragino Kaku Gothic Pro W3" charset="-128"/>
                 <a:cs typeface="Hiragino Kaku Gothic Pro W3" charset="-128"/>
               </a:rPr>
-              <a:t>12:00 ~ 13:00</a:t>
+              <a:t>12:00 ~ </a:t>
+            </a:r>
+            <a:r>
+              <a:rPr lang="en-US" altLang="ja-JP" dirty="0" smtClean="0">
+                <a:latin typeface="Hiragino Kaku Gothic Pro W3" charset="-128"/>
+                <a:ea typeface="Hiragino Kaku Gothic Pro W3" charset="-128"/>
+                <a:cs typeface="Hiragino Kaku Gothic Pro W3" charset="-128"/>
+              </a:rPr>
+              <a:t>13:30</a:t>
             </a:r>
             <a:r>
               <a:rPr lang="ja-JP" altLang="en-US" dirty="0" smtClean="0">
@@ -9852,7 +9986,23 @@
                 <a:ea typeface="Hiragino Kaku Gothic Pro W3" charset="-128"/>
                 <a:cs typeface="Hiragino Kaku Gothic Pro W3" charset="-128"/>
               </a:rPr>
-              <a:t>13:00 ~ 14:00</a:t>
+              <a:t>14:00 </a:t>
+            </a:r>
+            <a:r>
+              <a:rPr kumimoji="1" lang="en-US" altLang="ja-JP" dirty="0" smtClean="0">
+                <a:latin typeface="Hiragino Kaku Gothic Pro W3" charset="-128"/>
+                <a:ea typeface="Hiragino Kaku Gothic Pro W3" charset="-128"/>
+                <a:cs typeface="Hiragino Kaku Gothic Pro W3" charset="-128"/>
+              </a:rPr>
+              <a:t>~ </a:t>
+            </a:r>
+            <a:r>
+              <a:rPr kumimoji="1" lang="en-US" altLang="ja-JP" dirty="0" smtClean="0">
+                <a:latin typeface="Hiragino Kaku Gothic Pro W3" charset="-128"/>
+                <a:ea typeface="Hiragino Kaku Gothic Pro W3" charset="-128"/>
+                <a:cs typeface="Hiragino Kaku Gothic Pro W3" charset="-128"/>
+              </a:rPr>
+              <a:t>14:45</a:t>
             </a:r>
             <a:r>
               <a:rPr kumimoji="1" lang="ja-JP" altLang="en-US" dirty="0" smtClean="0">
@@ -9908,7 +10058,23 @@
                 <a:ea typeface="Hiragino Kaku Gothic Pro W3" charset="-128"/>
                 <a:cs typeface="Hiragino Kaku Gothic Pro W3" charset="-128"/>
               </a:rPr>
-              <a:t>14:00 ~ 14:30</a:t>
+              <a:t>14:45 </a:t>
+            </a:r>
+            <a:r>
+              <a:rPr lang="en-US" altLang="ja-JP" dirty="0" smtClean="0">
+                <a:latin typeface="Hiragino Kaku Gothic Pro W3" charset="-128"/>
+                <a:ea typeface="Hiragino Kaku Gothic Pro W3" charset="-128"/>
+                <a:cs typeface="Hiragino Kaku Gothic Pro W3" charset="-128"/>
+              </a:rPr>
+              <a:t>~ </a:t>
+            </a:r>
+            <a:r>
+              <a:rPr lang="en-US" altLang="ja-JP" dirty="0" smtClean="0">
+                <a:latin typeface="Hiragino Kaku Gothic Pro W3" charset="-128"/>
+                <a:ea typeface="Hiragino Kaku Gothic Pro W3" charset="-128"/>
+                <a:cs typeface="Hiragino Kaku Gothic Pro W3" charset="-128"/>
+              </a:rPr>
+              <a:t>15:30</a:t>
             </a:r>
             <a:r>
               <a:rPr lang="ja-JP" altLang="en-US" dirty="0" smtClean="0">
@@ -9964,7 +10130,23 @@
                 <a:ea typeface="Hiragino Kaku Gothic Pro W3" charset="-128"/>
                 <a:cs typeface="Hiragino Kaku Gothic Pro W3" charset="-128"/>
               </a:rPr>
-              <a:t>14:30 ~ 15:00</a:t>
+              <a:t>15:30 </a:t>
+            </a:r>
+            <a:r>
+              <a:rPr kumimoji="1" lang="en-US" altLang="ja-JP" dirty="0" smtClean="0">
+                <a:latin typeface="Hiragino Kaku Gothic Pro W3" charset="-128"/>
+                <a:ea typeface="Hiragino Kaku Gothic Pro W3" charset="-128"/>
+                <a:cs typeface="Hiragino Kaku Gothic Pro W3" charset="-128"/>
+              </a:rPr>
+              <a:t>~ </a:t>
+            </a:r>
+            <a:r>
+              <a:rPr kumimoji="1" lang="en-US" altLang="ja-JP" dirty="0" smtClean="0">
+                <a:latin typeface="Hiragino Kaku Gothic Pro W3" charset="-128"/>
+                <a:ea typeface="Hiragino Kaku Gothic Pro W3" charset="-128"/>
+                <a:cs typeface="Hiragino Kaku Gothic Pro W3" charset="-128"/>
+              </a:rPr>
+              <a:t>16:00</a:t>
             </a:r>
             <a:r>
               <a:rPr kumimoji="1" lang="ja-JP" altLang="en-US" dirty="0" smtClean="0">
@@ -10407,6 +10589,7 @@
           <a:bodyPr/>
           <a:lstStyle/>
           <a:p>
+            <a:pPr algn="l"/>
             <a:r>
               <a:rPr lang="ja-JP" altLang="en-US" b="1" dirty="0" smtClean="0">
                 <a:latin typeface="Hiragino Kaku Gothic Pro W6" charset="-128"/>
@@ -10443,7 +10626,7 @@
         </p:nvSpPr>
         <p:spPr>
           <a:xfrm>
-            <a:off x="1484313" y="1616076"/>
+            <a:off x="1484310" y="2920471"/>
             <a:ext cx="10018712" cy="1017058"/>
           </a:xfrm>
         </p:spPr>
@@ -10451,7 +10634,7 @@
           <a:bodyPr anchor="t"/>
           <a:lstStyle/>
           <a:p>
-            <a:pPr marL="0" marR="0" lvl="0" indent="0" algn="ctr" defTabSz="914400" eaLnBrk="1" fontAlgn="auto" latinLnBrk="0" hangingPunct="1">
+            <a:pPr marL="0" marR="0" lvl="0" indent="0" defTabSz="914400" eaLnBrk="1" fontAlgn="auto" latinLnBrk="0" hangingPunct="1">
               <a:lnSpc>
                 <a:spcPct val="200000"/>
               </a:lnSpc>
@@ -10506,7 +10689,7 @@
         </p:blipFill>
         <p:spPr>
           <a:xfrm>
-            <a:off x="8395322" y="0"/>
+            <a:off x="7105141" y="0"/>
             <a:ext cx="3796678" cy="6858000"/>
           </a:xfrm>
           <a:prstGeom prst="rect">
@@ -10571,6 +10754,7 @@
           <a:bodyPr/>
           <a:lstStyle/>
           <a:p>
+            <a:pPr algn="l"/>
             <a:r>
               <a:rPr kumimoji="1" lang="ja-JP" altLang="en-US" b="1" dirty="0" smtClean="0">
                 <a:latin typeface="Hiragino Kaku Gothic Pro W6" charset="-128"/>
@@ -10585,7 +10769,23 @@
                 <a:ea typeface="Hiragino Kaku Gothic Pro W6" charset="-128"/>
                 <a:cs typeface="Hiragino Kaku Gothic Pro W6" charset="-128"/>
               </a:rPr>
-              <a:t>2</a:t>
+              <a:t>2(10</a:t>
+            </a:r>
+            <a:r>
+              <a:rPr kumimoji="1" lang="ja-JP" altLang="en-US" b="1" dirty="0" smtClean="0">
+                <a:latin typeface="Hiragino Kaku Gothic Pro W6" charset="-128"/>
+                <a:ea typeface="Hiragino Kaku Gothic Pro W6" charset="-128"/>
+                <a:cs typeface="Hiragino Kaku Gothic Pro W6" charset="-128"/>
+              </a:rPr>
+              <a:t>分</a:t>
+            </a:r>
+            <a:r>
+              <a:rPr kumimoji="1" lang="en-US" altLang="ja-JP" b="1" dirty="0" smtClean="0">
+                <a:latin typeface="Hiragino Kaku Gothic Pro W6" charset="-128"/>
+                <a:ea typeface="Hiragino Kaku Gothic Pro W6" charset="-128"/>
+                <a:cs typeface="Hiragino Kaku Gothic Pro W6" charset="-128"/>
+              </a:rPr>
+              <a:t>)</a:t>
             </a:r>
             <a:endParaRPr kumimoji="1" lang="ja-JP" altLang="en-US" b="1" dirty="0">
               <a:latin typeface="Hiragino Kaku Gothic Pro W6" charset="-128"/>
@@ -10607,7 +10807,7 @@
         </p:nvSpPr>
         <p:spPr>
           <a:xfrm>
-            <a:off x="1484313" y="1616077"/>
+            <a:off x="1484310" y="3041780"/>
             <a:ext cx="10018712" cy="1025524"/>
           </a:xfrm>
         </p:spPr>
@@ -10615,7 +10815,7 @@
           <a:bodyPr anchor="t"/>
           <a:lstStyle/>
           <a:p>
-            <a:pPr marL="0" marR="0" lvl="0" indent="0" algn="ctr" defTabSz="914400" eaLnBrk="1" fontAlgn="auto" latinLnBrk="0" hangingPunct="1">
+            <a:pPr marL="0" marR="0" lvl="0" indent="0" defTabSz="914400" eaLnBrk="1" fontAlgn="auto" latinLnBrk="0" hangingPunct="1">
               <a:lnSpc>
                 <a:spcPct val="200000"/>
               </a:lnSpc>
@@ -10678,7 +10878,7 @@
         </p:blipFill>
         <p:spPr>
           <a:xfrm>
-            <a:off x="8395322" y="0"/>
+            <a:off x="7092616" y="0"/>
             <a:ext cx="3796678" cy="6858000"/>
           </a:xfrm>
           <a:prstGeom prst="rect">

--- a/1day.pptx
+++ b/1day.pptx
@@ -7632,15 +7632,7 @@
                 <a:ea typeface="Hiragino Kaku Gothic Pro W3" charset="-128"/>
                 <a:cs typeface="Hiragino Kaku Gothic Pro W3" charset="-128"/>
               </a:rPr>
-              <a:t>ドローンの細かい制御はライブラリがやってくれている</a:t>
-            </a:r>
-            <a:r>
-              <a:rPr lang="ja-JP" altLang="en-US" dirty="0" smtClean="0">
-                <a:latin typeface="Hiragino Kaku Gothic Pro W3" charset="-128"/>
-                <a:ea typeface="Hiragino Kaku Gothic Pro W3" charset="-128"/>
-                <a:cs typeface="Hiragino Kaku Gothic Pro W3" charset="-128"/>
-              </a:rPr>
-              <a:t>。</a:t>
+              <a:t>ドローンの細かい制御はライブラリがやってくれている。</a:t>
             </a:r>
             <a:endParaRPr lang="en-US" altLang="ja-JP" dirty="0" smtClean="0">
               <a:latin typeface="Hiragino Kaku Gothic Pro W3" charset="-128"/>
@@ -9262,7 +9254,7 @@
         </p:nvSpPr>
         <p:spPr>
           <a:xfrm>
-            <a:off x="5212248" y="1475182"/>
+            <a:off x="6351731" y="1423977"/>
             <a:ext cx="10018713" cy="4175342"/>
           </a:xfrm>
         </p:spPr>
@@ -9353,7 +9345,15 @@
                 <a:ea typeface="Hiragino Kaku Gothic Pro W3" charset="-128"/>
                 <a:cs typeface="Hiragino Kaku Gothic Pro W3" charset="-128"/>
               </a:rPr>
-              <a:t>東京ゲーム制作学科</a:t>
+              <a:t>東京ゲーム制作</a:t>
+            </a:r>
+            <a:r>
+              <a:rPr kumimoji="1" lang="ja-JP" altLang="en-US" dirty="0" smtClean="0">
+                <a:latin typeface="Hiragino Kaku Gothic Pro W3" charset="-128"/>
+                <a:ea typeface="Hiragino Kaku Gothic Pro W3" charset="-128"/>
+                <a:cs typeface="Hiragino Kaku Gothic Pro W3" charset="-128"/>
+              </a:rPr>
+              <a:t>学科</a:t>
             </a:r>
             <a:endParaRPr kumimoji="1" lang="en-US" altLang="ja-JP" dirty="0" smtClean="0">
               <a:latin typeface="Hiragino Kaku Gothic Pro W3" charset="-128"/>
@@ -9361,8 +9361,90 @@
               <a:cs typeface="Hiragino Kaku Gothic Pro W3" charset="-128"/>
             </a:endParaRPr>
           </a:p>
-        </p:txBody>
-      </p:sp>
+          <a:p>
+            <a:pPr>
+              <a:lnSpc>
+                <a:spcPct val="200000"/>
+              </a:lnSpc>
+            </a:pPr>
+            <a:r>
+              <a:rPr lang="ja-JP" altLang="en-US" dirty="0" smtClean="0">
+                <a:latin typeface="Hiragino Kaku Gothic Pro W3" charset="-128"/>
+                <a:ea typeface="Hiragino Kaku Gothic Pro W3" charset="-128"/>
+                <a:cs typeface="Hiragino Kaku Gothic Pro W3" charset="-128"/>
+              </a:rPr>
+              <a:t>入社　　</a:t>
+            </a:r>
+            <a:r>
+              <a:rPr lang="en-US" altLang="ja-JP" dirty="0" smtClean="0">
+                <a:latin typeface="Hiragino Kaku Gothic Pro W3" charset="-128"/>
+                <a:ea typeface="Hiragino Kaku Gothic Pro W3" charset="-128"/>
+                <a:cs typeface="Hiragino Kaku Gothic Pro W3" charset="-128"/>
+              </a:rPr>
+              <a:t>2016</a:t>
+            </a:r>
+            <a:r>
+              <a:rPr lang="ja-JP" altLang="en-US" dirty="0" smtClean="0">
+                <a:latin typeface="Hiragino Kaku Gothic Pro W3" charset="-128"/>
+                <a:ea typeface="Hiragino Kaku Gothic Pro W3" charset="-128"/>
+                <a:cs typeface="Hiragino Kaku Gothic Pro W3" charset="-128"/>
+              </a:rPr>
+              <a:t>年</a:t>
+            </a:r>
+            <a:r>
+              <a:rPr lang="en-US" altLang="ja-JP" dirty="0" smtClean="0">
+                <a:latin typeface="Hiragino Kaku Gothic Pro W3" charset="-128"/>
+                <a:ea typeface="Hiragino Kaku Gothic Pro W3" charset="-128"/>
+                <a:cs typeface="Hiragino Kaku Gothic Pro W3" charset="-128"/>
+              </a:rPr>
+              <a:t>04</a:t>
+            </a:r>
+            <a:r>
+              <a:rPr lang="ja-JP" altLang="en-US" dirty="0" smtClean="0">
+                <a:latin typeface="Hiragino Kaku Gothic Pro W3" charset="-128"/>
+                <a:ea typeface="Hiragino Kaku Gothic Pro W3" charset="-128"/>
+                <a:cs typeface="Hiragino Kaku Gothic Pro W3" charset="-128"/>
+              </a:rPr>
+              <a:t>月</a:t>
+            </a:r>
+            <a:endParaRPr kumimoji="1" lang="en-US" altLang="ja-JP" dirty="0" smtClean="0">
+              <a:latin typeface="Hiragino Kaku Gothic Pro W3" charset="-128"/>
+              <a:ea typeface="Hiragino Kaku Gothic Pro W3" charset="-128"/>
+              <a:cs typeface="Hiragino Kaku Gothic Pro W3" charset="-128"/>
+            </a:endParaRPr>
+          </a:p>
+        </p:txBody>
+      </p:sp>
+      <p:pic>
+        <p:nvPicPr>
+          <p:cNvPr id="4" name="図 3"/>
+          <p:cNvPicPr>
+            <a:picLocks noChangeAspect="1"/>
+          </p:cNvPicPr>
+          <p:nvPr/>
+        </p:nvPicPr>
+        <p:blipFill>
+          <a:blip r:embed="rId2">
+            <a:extLst>
+              <a:ext uri="{28A0092B-C50C-407E-A947-70E740481C1C}">
+                <a14:useLocalDpi xmlns:a14="http://schemas.microsoft.com/office/drawing/2010/main" val="0"/>
+              </a:ext>
+            </a:extLst>
+          </a:blip>
+          <a:stretch>
+            <a:fillRect/>
+          </a:stretch>
+        </p:blipFill>
+        <p:spPr>
+          <a:xfrm>
+            <a:off x="796584" y="1863970"/>
+            <a:ext cx="4943034" cy="3295356"/>
+          </a:xfrm>
+          <a:prstGeom prst="rect">
+            <a:avLst/>
+          </a:prstGeom>
+        </p:spPr>
+      </p:pic>
     </p:spTree>
     <p:extLst>
       <p:ext uri="{BB962C8B-B14F-4D97-AF65-F5344CB8AC3E}">
@@ -9938,15 +10020,7 @@
                 <a:ea typeface="Hiragino Kaku Gothic Pro W3" charset="-128"/>
                 <a:cs typeface="Hiragino Kaku Gothic Pro W3" charset="-128"/>
               </a:rPr>
-              <a:t>12:00 ~ </a:t>
-            </a:r>
-            <a:r>
-              <a:rPr lang="en-US" altLang="ja-JP" dirty="0" smtClean="0">
-                <a:latin typeface="Hiragino Kaku Gothic Pro W3" charset="-128"/>
-                <a:ea typeface="Hiragino Kaku Gothic Pro W3" charset="-128"/>
-                <a:cs typeface="Hiragino Kaku Gothic Pro W3" charset="-128"/>
-              </a:rPr>
-              <a:t>13:30</a:t>
+              <a:t>12:00 ~ 13:30</a:t>
             </a:r>
             <a:r>
               <a:rPr lang="ja-JP" altLang="en-US" dirty="0" smtClean="0">
@@ -9986,23 +10060,7 @@
                 <a:ea typeface="Hiragino Kaku Gothic Pro W3" charset="-128"/>
                 <a:cs typeface="Hiragino Kaku Gothic Pro W3" charset="-128"/>
               </a:rPr>
-              <a:t>14:00 </a:t>
-            </a:r>
-            <a:r>
-              <a:rPr kumimoji="1" lang="en-US" altLang="ja-JP" dirty="0" smtClean="0">
-                <a:latin typeface="Hiragino Kaku Gothic Pro W3" charset="-128"/>
-                <a:ea typeface="Hiragino Kaku Gothic Pro W3" charset="-128"/>
-                <a:cs typeface="Hiragino Kaku Gothic Pro W3" charset="-128"/>
-              </a:rPr>
-              <a:t>~ </a:t>
-            </a:r>
-            <a:r>
-              <a:rPr kumimoji="1" lang="en-US" altLang="ja-JP" dirty="0" smtClean="0">
-                <a:latin typeface="Hiragino Kaku Gothic Pro W3" charset="-128"/>
-                <a:ea typeface="Hiragino Kaku Gothic Pro W3" charset="-128"/>
-                <a:cs typeface="Hiragino Kaku Gothic Pro W3" charset="-128"/>
-              </a:rPr>
-              <a:t>14:45</a:t>
+              <a:t>14:00 ~ 14:45</a:t>
             </a:r>
             <a:r>
               <a:rPr kumimoji="1" lang="ja-JP" altLang="en-US" dirty="0" smtClean="0">
@@ -10058,23 +10116,7 @@
                 <a:ea typeface="Hiragino Kaku Gothic Pro W3" charset="-128"/>
                 <a:cs typeface="Hiragino Kaku Gothic Pro W3" charset="-128"/>
               </a:rPr>
-              <a:t>14:45 </a:t>
-            </a:r>
-            <a:r>
-              <a:rPr lang="en-US" altLang="ja-JP" dirty="0" smtClean="0">
-                <a:latin typeface="Hiragino Kaku Gothic Pro W3" charset="-128"/>
-                <a:ea typeface="Hiragino Kaku Gothic Pro W3" charset="-128"/>
-                <a:cs typeface="Hiragino Kaku Gothic Pro W3" charset="-128"/>
-              </a:rPr>
-              <a:t>~ </a:t>
-            </a:r>
-            <a:r>
-              <a:rPr lang="en-US" altLang="ja-JP" dirty="0" smtClean="0">
-                <a:latin typeface="Hiragino Kaku Gothic Pro W3" charset="-128"/>
-                <a:ea typeface="Hiragino Kaku Gothic Pro W3" charset="-128"/>
-                <a:cs typeface="Hiragino Kaku Gothic Pro W3" charset="-128"/>
-              </a:rPr>
-              <a:t>15:30</a:t>
+              <a:t>14:45 ~ 15:30</a:t>
             </a:r>
             <a:r>
               <a:rPr lang="ja-JP" altLang="en-US" dirty="0" smtClean="0">
@@ -10130,23 +10172,7 @@
                 <a:ea typeface="Hiragino Kaku Gothic Pro W3" charset="-128"/>
                 <a:cs typeface="Hiragino Kaku Gothic Pro W3" charset="-128"/>
               </a:rPr>
-              <a:t>15:30 </a:t>
-            </a:r>
-            <a:r>
-              <a:rPr kumimoji="1" lang="en-US" altLang="ja-JP" dirty="0" smtClean="0">
-                <a:latin typeface="Hiragino Kaku Gothic Pro W3" charset="-128"/>
-                <a:ea typeface="Hiragino Kaku Gothic Pro W3" charset="-128"/>
-                <a:cs typeface="Hiragino Kaku Gothic Pro W3" charset="-128"/>
-              </a:rPr>
-              <a:t>~ </a:t>
-            </a:r>
-            <a:r>
-              <a:rPr kumimoji="1" lang="en-US" altLang="ja-JP" dirty="0" smtClean="0">
-                <a:latin typeface="Hiragino Kaku Gothic Pro W3" charset="-128"/>
-                <a:ea typeface="Hiragino Kaku Gothic Pro W3" charset="-128"/>
-                <a:cs typeface="Hiragino Kaku Gothic Pro W3" charset="-128"/>
-              </a:rPr>
-              <a:t>16:00</a:t>
+              <a:t>15:30 ~ 16:00</a:t>
             </a:r>
             <a:r>
               <a:rPr kumimoji="1" lang="ja-JP" altLang="en-US" dirty="0" smtClean="0">
